--- a/ShopAdmin_slidecollection.pptx
+++ b/ShopAdmin_slidecollection.pptx
@@ -324,7 +324,7 @@
             <a:fld id="{682900CF-52F1-4F95-BCD7-A007BF19B186}" type="datetimeFigureOut">
               <a:rPr lang="de-DE" smtClean="0"/>
               <a:pPr/>
-              <a:t>26.11.2015</a:t>
+              <a:t>27.11.2015</a:t>
             </a:fld>
             <a:endParaRPr lang="de-DE"/>
           </a:p>
@@ -491,7 +491,7 @@
             <a:fld id="{682900CF-52F1-4F95-BCD7-A007BF19B186}" type="datetimeFigureOut">
               <a:rPr lang="de-DE" smtClean="0"/>
               <a:pPr/>
-              <a:t>26.11.2015</a:t>
+              <a:t>27.11.2015</a:t>
             </a:fld>
             <a:endParaRPr lang="de-DE"/>
           </a:p>
@@ -668,7 +668,7 @@
             <a:fld id="{682900CF-52F1-4F95-BCD7-A007BF19B186}" type="datetimeFigureOut">
               <a:rPr lang="de-DE" smtClean="0"/>
               <a:pPr/>
-              <a:t>26.11.2015</a:t>
+              <a:t>27.11.2015</a:t>
             </a:fld>
             <a:endParaRPr lang="de-DE"/>
           </a:p>
@@ -835,7 +835,7 @@
             <a:fld id="{682900CF-52F1-4F95-BCD7-A007BF19B186}" type="datetimeFigureOut">
               <a:rPr lang="de-DE" smtClean="0"/>
               <a:pPr/>
-              <a:t>26.11.2015</a:t>
+              <a:t>27.11.2015</a:t>
             </a:fld>
             <a:endParaRPr lang="de-DE"/>
           </a:p>
@@ -1078,7 +1078,7 @@
             <a:fld id="{682900CF-52F1-4F95-BCD7-A007BF19B186}" type="datetimeFigureOut">
               <a:rPr lang="de-DE" smtClean="0"/>
               <a:pPr/>
-              <a:t>26.11.2015</a:t>
+              <a:t>27.11.2015</a:t>
             </a:fld>
             <a:endParaRPr lang="de-DE"/>
           </a:p>
@@ -1363,7 +1363,7 @@
             <a:fld id="{682900CF-52F1-4F95-BCD7-A007BF19B186}" type="datetimeFigureOut">
               <a:rPr lang="de-DE" smtClean="0"/>
               <a:pPr/>
-              <a:t>26.11.2015</a:t>
+              <a:t>27.11.2015</a:t>
             </a:fld>
             <a:endParaRPr lang="de-DE"/>
           </a:p>
@@ -1782,7 +1782,7 @@
             <a:fld id="{682900CF-52F1-4F95-BCD7-A007BF19B186}" type="datetimeFigureOut">
               <a:rPr lang="de-DE" smtClean="0"/>
               <a:pPr/>
-              <a:t>26.11.2015</a:t>
+              <a:t>27.11.2015</a:t>
             </a:fld>
             <a:endParaRPr lang="de-DE"/>
           </a:p>
@@ -1897,7 +1897,7 @@
             <a:fld id="{682900CF-52F1-4F95-BCD7-A007BF19B186}" type="datetimeFigureOut">
               <a:rPr lang="de-DE" smtClean="0"/>
               <a:pPr/>
-              <a:t>26.11.2015</a:t>
+              <a:t>27.11.2015</a:t>
             </a:fld>
             <a:endParaRPr lang="de-DE"/>
           </a:p>
@@ -1989,7 +1989,7 @@
             <a:fld id="{682900CF-52F1-4F95-BCD7-A007BF19B186}" type="datetimeFigureOut">
               <a:rPr lang="de-DE" smtClean="0"/>
               <a:pPr/>
-              <a:t>26.11.2015</a:t>
+              <a:t>27.11.2015</a:t>
             </a:fld>
             <a:endParaRPr lang="de-DE"/>
           </a:p>
@@ -2263,7 +2263,7 @@
             <a:fld id="{682900CF-52F1-4F95-BCD7-A007BF19B186}" type="datetimeFigureOut">
               <a:rPr lang="de-DE" smtClean="0"/>
               <a:pPr/>
-              <a:t>26.11.2015</a:t>
+              <a:t>27.11.2015</a:t>
             </a:fld>
             <a:endParaRPr lang="de-DE"/>
           </a:p>
@@ -2513,7 +2513,7 @@
             <a:fld id="{682900CF-52F1-4F95-BCD7-A007BF19B186}" type="datetimeFigureOut">
               <a:rPr lang="de-DE" smtClean="0"/>
               <a:pPr/>
-              <a:t>26.11.2015</a:t>
+              <a:t>27.11.2015</a:t>
             </a:fld>
             <a:endParaRPr lang="de-DE"/>
           </a:p>
@@ -2723,7 +2723,7 @@
             <a:fld id="{682900CF-52F1-4F95-BCD7-A007BF19B186}" type="datetimeFigureOut">
               <a:rPr lang="de-DE" smtClean="0"/>
               <a:pPr/>
-              <a:t>26.11.2015</a:t>
+              <a:t>27.11.2015</a:t>
             </a:fld>
             <a:endParaRPr lang="de-DE"/>
           </a:p>
@@ -3333,19 +3333,7 @@
                 <a:latin typeface="Times New Roman" pitchFamily="18" charset="0"/>
                 <a:cs typeface="Times New Roman" pitchFamily="18" charset="0"/>
               </a:rPr>
-              <a:t>Control your expenses with </a:t>
-            </a:r>
-            <a:r>
-              <a:rPr lang="en-US" sz="2700" dirty="0" smtClean="0">
-                <a:solidFill>
-                  <a:schemeClr val="accent2">
-                    <a:lumMod val="75000"/>
-                  </a:schemeClr>
-                </a:solidFill>
-                <a:latin typeface="Times New Roman" pitchFamily="18" charset="0"/>
-                <a:cs typeface="Times New Roman" pitchFamily="18" charset="0"/>
-              </a:rPr>
-              <a:t>receipt scanner</a:t>
+              <a:t>Control your expenses with receipt scanner</a:t>
             </a:r>
             <a:endParaRPr lang="de-DE" sz="2700" dirty="0">
               <a:solidFill>
@@ -3388,6 +3376,13 @@
   <p:clrMapOvr>
     <a:masterClrMapping/>
   </p:clrMapOvr>
+  <p:timing>
+    <p:tnLst>
+      <p:par>
+        <p:cTn id="1" dur="indefinite" restart="never" nodeType="tmRoot"/>
+      </p:par>
+    </p:tnLst>
+  </p:timing>
 </p:sld>
 </file>
 
@@ -3794,16 +3789,26 @@
             <a:p>
               <a:pPr algn="ctr"/>
               <a:r>
-                <a:rPr lang="de-DE" dirty="0" smtClean="0">
+                <a:rPr lang="de-DE" sz="1400" dirty="0" smtClean="0">
                   <a:solidFill>
                     <a:schemeClr val="accent2">
                       <a:lumMod val="50000"/>
                     </a:schemeClr>
                   </a:solidFill>
                 </a:rPr>
-                <a:t>All</a:t>
+                <a:t>Julia, </a:t>
               </a:r>
-              <a:endParaRPr lang="de-DE" dirty="0">
+              <a:r>
+                <a:rPr lang="de-DE" sz="1400" dirty="0" err="1" smtClean="0">
+                  <a:solidFill>
+                    <a:schemeClr val="accent2">
+                      <a:lumMod val="50000"/>
+                    </a:schemeClr>
+                  </a:solidFill>
+                </a:rPr>
+                <a:t>Kateryna</a:t>
+              </a:r>
+              <a:endParaRPr lang="de-DE" sz="1400" dirty="0">
                 <a:solidFill>
                   <a:schemeClr val="accent2">
                     <a:lumMod val="50000"/>
@@ -4286,6 +4291,13 @@
   <p:clrMapOvr>
     <a:masterClrMapping/>
   </p:clrMapOvr>
+  <p:timing>
+    <p:tnLst>
+      <p:par>
+        <p:cTn id="1" dur="indefinite" restart="never" nodeType="tmRoot"/>
+      </p:par>
+    </p:tnLst>
+  </p:timing>
 </p:sld>
 </file>
 
@@ -4549,17 +4561,7 @@
                 <a:latin typeface="Times New Roman" pitchFamily="18" charset="0"/>
                 <a:cs typeface="Times New Roman" pitchFamily="18" charset="0"/>
               </a:rPr>
-              <a:t> goin</a:t>
-            </a:r>
-            <a:r>
-              <a:rPr lang="en-US" sz="2000" cap="small" dirty="0" smtClean="0">
-                <a:solidFill>
-                  <a:schemeClr val="tx1"/>
-                </a:solidFill>
-                <a:latin typeface="Times New Roman" pitchFamily="18" charset="0"/>
-                <a:cs typeface="Times New Roman" pitchFamily="18" charset="0"/>
-              </a:rPr>
-              <a:t>g agile</a:t>
+              <a:t> going agile</a:t>
             </a:r>
             <a:endParaRPr lang="en-US" sz="2000" cap="small" dirty="0">
               <a:solidFill>
@@ -4729,6 +4731,13 @@
   <p:clrMapOvr>
     <a:masterClrMapping/>
   </p:clrMapOvr>
+  <p:timing>
+    <p:tnLst>
+      <p:par>
+        <p:cTn id="1" dur="indefinite" restart="never" nodeType="tmRoot"/>
+      </p:par>
+    </p:tnLst>
+  </p:timing>
 </p:sld>
 </file>
 
@@ -5034,6 +5043,13 @@
   <p:clrMapOvr>
     <a:masterClrMapping/>
   </p:clrMapOvr>
+  <p:timing>
+    <p:tnLst>
+      <p:par>
+        <p:cTn id="1" dur="indefinite" restart="never" nodeType="tmRoot"/>
+      </p:par>
+    </p:tnLst>
+  </p:timing>
 </p:sld>
 </file>
 
@@ -5470,13 +5486,6 @@
               </a:rPr>
               <a:t>: Initialized for convenience</a:t>
             </a:r>
-            <a:endParaRPr lang="en-US" dirty="0" smtClean="0">
-              <a:solidFill>
-                <a:schemeClr val="tx1"/>
-              </a:solidFill>
-              <a:latin typeface="Times New Roman" pitchFamily="18" charset="0"/>
-              <a:cs typeface="Times New Roman" pitchFamily="18" charset="0"/>
-            </a:endParaRPr>
           </a:p>
           <a:p>
             <a:pPr lvl="0">
@@ -5928,13 +5937,6 @@
               </a:rPr>
               <a:t> during the establishment phase following topics have been addressed and solved: </a:t>
             </a:r>
-            <a:endParaRPr lang="en-US" dirty="0" smtClean="0">
-              <a:solidFill>
-                <a:schemeClr val="tx1"/>
-              </a:solidFill>
-              <a:latin typeface="Times New Roman" pitchFamily="18" charset="0"/>
-              <a:cs typeface="Times New Roman" pitchFamily="18" charset="0"/>
-            </a:endParaRPr>
           </a:p>
           <a:p>
             <a:pPr lvl="0">
@@ -5959,6 +5961,13 @@
   <p:clrMapOvr>
     <a:masterClrMapping/>
   </p:clrMapOvr>
+  <p:timing>
+    <p:tnLst>
+      <p:par>
+        <p:cTn id="1" dur="indefinite" restart="never" nodeType="tmRoot"/>
+      </p:par>
+    </p:tnLst>
+  </p:timing>
 </p:sld>
 </file>
 
@@ -6098,28 +6107,22 @@
       </p:sp>
       <p:pic>
         <p:nvPicPr>
-          <p:cNvPr id="2" name="Grafik 1"/>
+          <p:cNvPr id="3" name="Grafik 2"/>
           <p:cNvPicPr>
             <a:picLocks noChangeAspect="1"/>
           </p:cNvPicPr>
           <p:nvPr/>
         </p:nvPicPr>
         <p:blipFill>
-          <a:blip r:embed="rId2">
-            <a:extLst>
-              <a:ext uri="{28A0092B-C50C-407E-A947-70E740481C1C}">
-                <a14:useLocalDpi xmlns:a14="http://schemas.microsoft.com/office/drawing/2010/main" val="0"/>
-              </a:ext>
-            </a:extLst>
-          </a:blip>
+          <a:blip r:embed="rId2"/>
           <a:stretch>
             <a:fillRect/>
           </a:stretch>
         </p:blipFill>
         <p:spPr>
           <a:xfrm>
-            <a:off x="251520" y="774222"/>
-            <a:ext cx="8651479" cy="5247066"/>
+            <a:off x="323528" y="1124744"/>
+            <a:ext cx="8502482" cy="4605511"/>
           </a:xfrm>
           <a:prstGeom prst="rect">
             <a:avLst/>
@@ -6136,6 +6139,13 @@
   <p:clrMapOvr>
     <a:masterClrMapping/>
   </p:clrMapOvr>
+  <p:timing>
+    <p:tnLst>
+      <p:par>
+        <p:cTn id="1" dur="indefinite" restart="never" nodeType="tmRoot"/>
+      </p:par>
+    </p:tnLst>
+  </p:timing>
 </p:sld>
 </file>
 
@@ -6426,6 +6436,13 @@
   <p:clrMapOvr>
     <a:masterClrMapping/>
   </p:clrMapOvr>
+  <p:timing>
+    <p:tnLst>
+      <p:par>
+        <p:cTn id="1" dur="indefinite" restart="never" nodeType="tmRoot"/>
+      </p:par>
+    </p:tnLst>
+  </p:timing>
 </p:sld>
 </file>
 
@@ -6572,7 +6589,7 @@
         <p:spPr>
           <a:xfrm>
             <a:off x="395536" y="908720"/>
-            <a:ext cx="8136904" cy="790035"/>
+            <a:ext cx="8136904" cy="2304256"/>
           </a:xfrm>
           <a:prstGeom prst="rect">
             <a:avLst/>
@@ -6654,17 +6671,7 @@
                 <a:latin typeface="Times New Roman" pitchFamily="18" charset="0"/>
                 <a:cs typeface="Times New Roman" pitchFamily="18" charset="0"/>
               </a:rPr>
-              <a:t> </a:t>
-            </a:r>
-            <a:r>
-              <a:rPr lang="en-US" dirty="0" smtClean="0">
-                <a:solidFill>
-                  <a:schemeClr val="tx1"/>
-                </a:solidFill>
-                <a:latin typeface="Times New Roman" pitchFamily="18" charset="0"/>
-                <a:cs typeface="Times New Roman" pitchFamily="18" charset="0"/>
-              </a:rPr>
-              <a:t>on </a:t>
+              <a:t> on </a:t>
             </a:r>
             <a:r>
               <a:rPr lang="en-US" dirty="0" err="1" smtClean="0">
@@ -6807,6 +6814,13 @@
   <p:clrMapOvr>
     <a:masterClrMapping/>
   </p:clrMapOvr>
+  <p:timing>
+    <p:tnLst>
+      <p:par>
+        <p:cTn id="1" dur="indefinite" restart="never" nodeType="tmRoot"/>
+      </p:par>
+    </p:tnLst>
+  </p:timing>
 </p:sld>
 </file>
 
@@ -7112,6 +7126,13 @@
   <p:clrMapOvr>
     <a:masterClrMapping/>
   </p:clrMapOvr>
+  <p:timing>
+    <p:tnLst>
+      <p:par>
+        <p:cTn id="1" dur="indefinite" restart="never" nodeType="tmRoot"/>
+      </p:par>
+    </p:tnLst>
+  </p:timing>
 </p:sld>
 </file>
 
@@ -7488,6 +7509,13 @@
   <p:clrMapOvr>
     <a:masterClrMapping/>
   </p:clrMapOvr>
+  <p:timing>
+    <p:tnLst>
+      <p:par>
+        <p:cTn id="1" dur="indefinite" restart="never" nodeType="tmRoot"/>
+      </p:par>
+    </p:tnLst>
+  </p:timing>
 </p:sld>
 </file>
 
@@ -7682,14 +7710,21 @@
   <p:clrMapOvr>
     <a:masterClrMapping/>
   </p:clrMapOvr>
-  <mc:AlternateContent xmlns:mc="http://schemas.openxmlformats.org/markup-compatibility/2006">
-    <mc:Choice xmlns:p14="http://schemas.microsoft.com/office/powerpoint/2010/main" Requires="p14">
+  <mc:AlternateContent xmlns:mc="http://schemas.openxmlformats.org/markup-compatibility/2006" xmlns:p14="http://schemas.microsoft.com/office/powerpoint/2010/main">
+    <mc:Choice Requires="p14">
       <p:transition spd="slow" p14:dur="2000"/>
     </mc:Choice>
-    <mc:Fallback>
+    <mc:Fallback xmlns="">
       <p:transition spd="slow"/>
     </mc:Fallback>
   </mc:AlternateContent>
+  <p:timing>
+    <p:tnLst>
+      <p:par>
+        <p:cTn id="1" dur="indefinite" restart="never" nodeType="tmRoot"/>
+      </p:par>
+    </p:tnLst>
+  </p:timing>
 </p:sld>
 </file>
 
@@ -8123,6 +8158,13 @@
   <p:clrMapOvr>
     <a:masterClrMapping/>
   </p:clrMapOvr>
+  <p:timing>
+    <p:tnLst>
+      <p:par>
+        <p:cTn id="1" dur="indefinite" restart="never" nodeType="tmRoot"/>
+      </p:par>
+    </p:tnLst>
+  </p:timing>
 </p:sld>
 </file>
 
@@ -8407,25 +8449,8 @@
                 <a:latin typeface="Times New Roman" pitchFamily="18" charset="0"/>
                 <a:cs typeface="Times New Roman" pitchFamily="18" charset="0"/>
               </a:rPr>
-              <a:t>On of the mainly differentiation between SCRUM and the classical project management approaches is its time boxed structure with short and complete iterations:</a:t>
-            </a:r>
-            <a:r>
-              <a:rPr lang="en-US" dirty="0" smtClean="0">
-                <a:solidFill>
-                  <a:schemeClr val="tx1"/>
-                </a:solidFill>
-                <a:latin typeface="Times New Roman" pitchFamily="18" charset="0"/>
-                <a:cs typeface="Times New Roman" pitchFamily="18" charset="0"/>
-              </a:rPr>
-              <a:t> </a:t>
-            </a:r>
-            <a:endParaRPr lang="en-US" dirty="0" smtClean="0">
-              <a:solidFill>
-                <a:schemeClr val="tx1"/>
-              </a:solidFill>
-              <a:latin typeface="Times New Roman" pitchFamily="18" charset="0"/>
-              <a:cs typeface="Times New Roman" pitchFamily="18" charset="0"/>
-            </a:endParaRPr>
+              <a:t>On of the mainly differentiation between SCRUM and the classical project management approaches is its time boxed structure with short and complete iterations: </a:t>
+            </a:r>
           </a:p>
           <a:p>
             <a:pPr lvl="0">
@@ -9126,11 +9151,11 @@
   <p:clrMapOvr>
     <a:masterClrMapping/>
   </p:clrMapOvr>
-  <mc:AlternateContent xmlns:mc="http://schemas.openxmlformats.org/markup-compatibility/2006">
-    <mc:Choice xmlns:p14="http://schemas.microsoft.com/office/powerpoint/2010/main" Requires="p14">
+  <mc:AlternateContent xmlns:mc="http://schemas.openxmlformats.org/markup-compatibility/2006" xmlns:p14="http://schemas.microsoft.com/office/powerpoint/2010/main">
+    <mc:Choice Requires="p14">
       <p:transition spd="slow" p14:dur="2000"/>
     </mc:Choice>
-    <mc:Fallback>
+    <mc:Fallback xmlns="">
       <p:transition spd="slow"/>
     </mc:Fallback>
   </mc:AlternateContent>
@@ -9837,6 +9862,13 @@
   <p:clrMapOvr>
     <a:masterClrMapping/>
   </p:clrMapOvr>
+  <p:timing>
+    <p:tnLst>
+      <p:par>
+        <p:cTn id="1" dur="indefinite" restart="never" nodeType="tmRoot"/>
+      </p:par>
+    </p:tnLst>
+  </p:timing>
 </p:sld>
 </file>
 
@@ -10812,6 +10844,13 @@
   <p:clrMapOvr>
     <a:masterClrMapping/>
   </p:clrMapOvr>
+  <p:timing>
+    <p:tnLst>
+      <p:par>
+        <p:cTn id="1" dur="indefinite" restart="never" nodeType="tmRoot"/>
+      </p:par>
+    </p:tnLst>
+  </p:timing>
 </p:sld>
 </file>
 
@@ -11516,6 +11555,13 @@
   <p:clrMapOvr>
     <a:masterClrMapping/>
   </p:clrMapOvr>
+  <p:timing>
+    <p:tnLst>
+      <p:par>
+        <p:cTn id="1" dur="indefinite" restart="never" nodeType="tmRoot"/>
+      </p:par>
+    </p:tnLst>
+  </p:timing>
 </p:sld>
 </file>
 
@@ -11799,17 +11845,7 @@
                 <a:latin typeface="Times New Roman" pitchFamily="18" charset="0"/>
                 <a:cs typeface="Times New Roman" pitchFamily="18" charset="0"/>
               </a:rPr>
-              <a:t>goin</a:t>
-            </a:r>
-            <a:r>
-              <a:rPr lang="de-DE" sz="2000" b="1" cap="small" dirty="0" err="1" smtClean="0">
-                <a:solidFill>
-                  <a:schemeClr val="tx1"/>
-                </a:solidFill>
-                <a:latin typeface="Times New Roman" pitchFamily="18" charset="0"/>
-                <a:cs typeface="Times New Roman" pitchFamily="18" charset="0"/>
-              </a:rPr>
-              <a:t>g</a:t>
+              <a:t>going</a:t>
             </a:r>
             <a:r>
               <a:rPr lang="de-DE" sz="2000" b="1" cap="small" dirty="0" smtClean="0">
@@ -12029,6 +12065,13 @@
   <p:clrMapOvr>
     <a:masterClrMapping/>
   </p:clrMapOvr>
+  <p:timing>
+    <p:tnLst>
+      <p:par>
+        <p:cTn id="1" dur="indefinite" restart="never" nodeType="tmRoot"/>
+      </p:par>
+    </p:tnLst>
+  </p:timing>
 </p:sld>
 </file>
 
@@ -13476,6 +13519,13 @@
   <p:clrMapOvr>
     <a:masterClrMapping/>
   </p:clrMapOvr>
+  <p:timing>
+    <p:tnLst>
+      <p:par>
+        <p:cTn id="1" dur="indefinite" restart="never" nodeType="tmRoot"/>
+      </p:par>
+    </p:tnLst>
+  </p:timing>
 </p:sld>
 </file>
 
@@ -13739,17 +13789,7 @@
                 <a:latin typeface="Times New Roman" pitchFamily="18" charset="0"/>
                 <a:cs typeface="Times New Roman" pitchFamily="18" charset="0"/>
               </a:rPr>
-              <a:t> goin</a:t>
-            </a:r>
-            <a:r>
-              <a:rPr lang="en-US" sz="2000" cap="small" dirty="0" smtClean="0">
-                <a:solidFill>
-                  <a:schemeClr val="tx1"/>
-                </a:solidFill>
-                <a:latin typeface="Times New Roman" pitchFamily="18" charset="0"/>
-                <a:cs typeface="Times New Roman" pitchFamily="18" charset="0"/>
-              </a:rPr>
-              <a:t>g agile</a:t>
+              <a:t> going agile</a:t>
             </a:r>
             <a:endParaRPr lang="en-US" sz="2000" cap="small" dirty="0">
               <a:solidFill>
@@ -13919,6 +13959,13 @@
   <p:clrMapOvr>
     <a:masterClrMapping/>
   </p:clrMapOvr>
+  <p:timing>
+    <p:tnLst>
+      <p:par>
+        <p:cTn id="1" dur="indefinite" restart="never" nodeType="tmRoot"/>
+      </p:par>
+    </p:tnLst>
+  </p:timing>
 </p:sld>
 </file>
 
@@ -14280,13 +14327,6 @@
               </a:rPr>
               <a:t> follows the SCRUM Process</a:t>
             </a:r>
-            <a:endParaRPr lang="en-US" dirty="0" smtClean="0">
-              <a:solidFill>
-                <a:schemeClr val="tx1"/>
-              </a:solidFill>
-              <a:latin typeface="Times New Roman" pitchFamily="18" charset="0"/>
-              <a:cs typeface="Times New Roman" pitchFamily="18" charset="0"/>
-            </a:endParaRPr>
           </a:p>
           <a:p>
             <a:pPr lvl="0">
@@ -15949,6 +15989,13 @@
   <p:clrMapOvr>
     <a:masterClrMapping/>
   </p:clrMapOvr>
+  <p:timing>
+    <p:tnLst>
+      <p:par>
+        <p:cTn id="1" dur="indefinite" restart="never" nodeType="tmRoot"/>
+      </p:par>
+    </p:tnLst>
+  </p:timing>
 </p:sld>
 </file>
 
